--- a/DecisionChain.pptx
+++ b/DecisionChain.pptx
@@ -10361,7 +10361,7 @@
           <a:p>
             <a:fld id="{C2D86CE4-1855-4BF6-930E-006F7460E8BA}" type="datetimeFigureOut">
               <a:rPr lang="en-SG" smtClean="0"/>
-              <a:t>25/9/2022</a:t>
+              <a:t>25/9/22</a:t>
             </a:fld>
             <a:endParaRPr lang="en-SG"/>
           </a:p>
@@ -10704,6 +10704,90 @@
     <p:extLst>
       <p:ext uri="{BB962C8B-B14F-4D97-AF65-F5344CB8AC3E}">
         <p14:creationId xmlns:p14="http://schemas.microsoft.com/office/powerpoint/2010/main" val="3126191669"/>
+      </p:ext>
+    </p:extLst>
+  </p:cSld>
+  <p:clrMapOvr>
+    <a:masterClrMapping/>
+  </p:clrMapOvr>
+</p:notes>
+</file>
+
+<file path=ppt/notesSlides/notesSlide10.xml><?xml version="1.0" encoding="utf-8"?>
+<p:notes xmlns:a="http://schemas.openxmlformats.org/drawingml/2006/main" xmlns:r="http://schemas.openxmlformats.org/officeDocument/2006/relationships" xmlns:p="http://schemas.openxmlformats.org/presentationml/2006/main">
+  <p:cSld>
+    <p:spTree>
+      <p:nvGrpSpPr>
+        <p:cNvPr id="1" name=""/>
+        <p:cNvGrpSpPr/>
+        <p:nvPr/>
+      </p:nvGrpSpPr>
+      <p:grpSpPr>
+        <a:xfrm>
+          <a:off x="0" y="0"/>
+          <a:ext cx="0" cy="0"/>
+          <a:chOff x="0" y="0"/>
+          <a:chExt cx="0" cy="0"/>
+        </a:xfrm>
+      </p:grpSpPr>
+      <p:sp>
+        <p:nvSpPr>
+          <p:cNvPr id="2" name="Slide Image Placeholder 1"/>
+          <p:cNvSpPr>
+            <a:spLocks noGrp="1" noRot="1" noChangeAspect="1"/>
+          </p:cNvSpPr>
+          <p:nvPr>
+            <p:ph type="sldImg"/>
+          </p:nvPr>
+        </p:nvSpPr>
+        <p:spPr/>
+      </p:sp>
+      <p:sp>
+        <p:nvSpPr>
+          <p:cNvPr id="3" name="Notes Placeholder 2"/>
+          <p:cNvSpPr>
+            <a:spLocks noGrp="1"/>
+          </p:cNvSpPr>
+          <p:nvPr>
+            <p:ph type="body" idx="1"/>
+          </p:nvPr>
+        </p:nvSpPr>
+        <p:spPr/>
+        <p:txBody>
+          <a:bodyPr/>
+          <a:lstStyle/>
+          <a:p>
+            <a:endParaRPr lang="en-US" dirty="0"/>
+          </a:p>
+        </p:txBody>
+      </p:sp>
+      <p:sp>
+        <p:nvSpPr>
+          <p:cNvPr id="4" name="Slide Number Placeholder 3"/>
+          <p:cNvSpPr>
+            <a:spLocks noGrp="1"/>
+          </p:cNvSpPr>
+          <p:nvPr>
+            <p:ph type="sldNum" sz="quarter" idx="5"/>
+          </p:nvPr>
+        </p:nvSpPr>
+        <p:spPr/>
+        <p:txBody>
+          <a:bodyPr/>
+          <a:lstStyle/>
+          <a:p>
+            <a:fld id="{66466FF4-B05A-4095-9B0B-58C5AF22758A}" type="slidenum">
+              <a:rPr lang="en-SG" smtClean="0"/>
+              <a:t>11</a:t>
+            </a:fld>
+            <a:endParaRPr lang="en-SG"/>
+          </a:p>
+        </p:txBody>
+      </p:sp>
+    </p:spTree>
+    <p:extLst>
+      <p:ext uri="{BB962C8B-B14F-4D97-AF65-F5344CB8AC3E}">
+        <p14:creationId xmlns:p14="http://schemas.microsoft.com/office/powerpoint/2010/main" val="1857504168"/>
       </p:ext>
     </p:extLst>
   </p:cSld>
@@ -11597,7 +11681,7 @@
             <a:fld id="{87DE6118-2437-4B30-8E3C-4D2BE6020583}" type="datetimeFigureOut">
               <a:rPr lang="en-US" dirty="0"/>
               <a:pPr/>
-              <a:t>9/25/2022</a:t>
+              <a:t>9/25/22</a:t>
             </a:fld>
             <a:endParaRPr lang="en-US" dirty="0"/>
           </a:p>
@@ -11923,7 +12007,7 @@
           <a:p>
             <a:fld id="{87DE6118-2437-4B30-8E3C-4D2BE6020583}" type="datetimeFigureOut">
               <a:rPr lang="en-US" dirty="0"/>
-              <a:t>9/25/2022</a:t>
+              <a:t>9/25/22</a:t>
             </a:fld>
             <a:endParaRPr lang="en-US" dirty="0"/>
           </a:p>
@@ -12098,7 +12182,7 @@
           <a:p>
             <a:fld id="{87DE6118-2437-4B30-8E3C-4D2BE6020583}" type="datetimeFigureOut">
               <a:rPr lang="en-US" dirty="0"/>
-              <a:t>9/25/2022</a:t>
+              <a:t>9/25/22</a:t>
             </a:fld>
             <a:endParaRPr lang="en-US" dirty="0"/>
           </a:p>
@@ -12263,7 +12347,7 @@
           <a:p>
             <a:fld id="{87DE6118-2437-4B30-8E3C-4D2BE6020583}" type="datetimeFigureOut">
               <a:rPr lang="en-US" dirty="0"/>
-              <a:t>9/25/2022</a:t>
+              <a:t>9/25/22</a:t>
             </a:fld>
             <a:endParaRPr lang="en-US" dirty="0"/>
           </a:p>
@@ -12536,7 +12620,7 @@
             <a:fld id="{87DE6118-2437-4B30-8E3C-4D2BE6020583}" type="datetimeFigureOut">
               <a:rPr lang="en-US" dirty="0"/>
               <a:pPr/>
-              <a:t>9/25/2022</a:t>
+              <a:t>9/25/22</a:t>
             </a:fld>
             <a:endParaRPr lang="en-US" dirty="0"/>
           </a:p>
@@ -12926,7 +13010,7 @@
           <a:p>
             <a:fld id="{87DE6118-2437-4B30-8E3C-4D2BE6020583}" type="datetimeFigureOut">
               <a:rPr lang="en-US" dirty="0"/>
-              <a:t>9/25/2022</a:t>
+              <a:t>9/25/22</a:t>
             </a:fld>
             <a:endParaRPr lang="en-US" dirty="0"/>
           </a:p>
@@ -13398,7 +13482,7 @@
           <a:p>
             <a:fld id="{87DE6118-2437-4B30-8E3C-4D2BE6020583}" type="datetimeFigureOut">
               <a:rPr lang="en-US" dirty="0"/>
-              <a:t>9/25/2022</a:t>
+              <a:t>9/25/22</a:t>
             </a:fld>
             <a:endParaRPr lang="en-US" dirty="0"/>
           </a:p>
@@ -13511,7 +13595,7 @@
           <a:p>
             <a:fld id="{87DE6118-2437-4B30-8E3C-4D2BE6020583}" type="datetimeFigureOut">
               <a:rPr lang="en-US" dirty="0"/>
-              <a:t>9/25/2022</a:t>
+              <a:t>9/25/22</a:t>
             </a:fld>
             <a:endParaRPr lang="en-US" dirty="0"/>
           </a:p>
@@ -13601,7 +13685,7 @@
           <a:p>
             <a:fld id="{87DE6118-2437-4B30-8E3C-4D2BE6020583}" type="datetimeFigureOut">
               <a:rPr lang="en-US" dirty="0"/>
-              <a:t>9/25/2022</a:t>
+              <a:t>9/25/22</a:t>
             </a:fld>
             <a:endParaRPr lang="en-US" dirty="0"/>
           </a:p>
@@ -13943,7 +14027,7 @@
             <a:fld id="{87DE6118-2437-4B30-8E3C-4D2BE6020583}" type="datetimeFigureOut">
               <a:rPr lang="en-US" dirty="0"/>
               <a:pPr/>
-              <a:t>9/25/2022</a:t>
+              <a:t>9/25/22</a:t>
             </a:fld>
             <a:endParaRPr lang="en-US" dirty="0"/>
           </a:p>
@@ -14328,7 +14412,7 @@
             <a:fld id="{87DE6118-2437-4B30-8E3C-4D2BE6020583}" type="datetimeFigureOut">
               <a:rPr lang="en-US" dirty="0"/>
               <a:pPr/>
-              <a:t>9/25/2022</a:t>
+              <a:t>9/25/22</a:t>
             </a:fld>
             <a:endParaRPr lang="en-US" dirty="0"/>
           </a:p>
@@ -14603,7 +14687,7 @@
             <a:fld id="{87DE6118-2437-4B30-8E3C-4D2BE6020583}" type="datetimeFigureOut">
               <a:rPr lang="en-US" dirty="0"/>
               <a:pPr/>
-              <a:t>9/25/2022</a:t>
+              <a:t>9/25/22</a:t>
             </a:fld>
             <a:endParaRPr lang="en-US" dirty="0"/>
           </a:p>
@@ -15478,7 +15562,7 @@
           <p:nvPr/>
         </p:nvPicPr>
         <p:blipFill>
-          <a:blip r:embed="rId2"/>
+          <a:blip r:embed="rId3"/>
           <a:stretch>
             <a:fillRect/>
           </a:stretch>
@@ -15529,42 +15613,78 @@
           </a:p>
         </p:txBody>
       </p:sp>
-      <p:sp>
-        <p:nvSpPr>
-          <p:cNvPr id="9" name="TextBox 8">
+      <p:pic>
+        <p:nvPicPr>
+          <p:cNvPr id="3" name="Picture 2">
             <a:extLst>
               <a:ext uri="{FF2B5EF4-FFF2-40B4-BE49-F238E27FC236}">
-                <a16:creationId xmlns:a16="http://schemas.microsoft.com/office/drawing/2014/main" id="{0E8A34A7-F484-008C-1115-C184A8AC0C39}"/>
+                <a16:creationId xmlns:a16="http://schemas.microsoft.com/office/drawing/2014/main" id="{9C7EFA8C-4275-6FB1-7144-006262422BA6}"/>
               </a:ext>
             </a:extLst>
           </p:cNvPr>
-          <p:cNvSpPr txBox="1"/>
+          <p:cNvPicPr>
+            <a:picLocks noChangeAspect="1"/>
+          </p:cNvPicPr>
           <p:nvPr/>
-        </p:nvSpPr>
+        </p:nvPicPr>
+        <p:blipFill>
+          <a:blip r:embed="rId4"/>
+          <a:stretch>
+            <a:fillRect/>
+          </a:stretch>
+        </p:blipFill>
         <p:spPr>
           <a:xfrm>
-            <a:off x="2322095" y="4686301"/>
-            <a:ext cx="4033733" cy="369332"/>
+            <a:off x="2209799" y="4898317"/>
+            <a:ext cx="7772400" cy="748946"/>
           </a:xfrm>
           <a:prstGeom prst="rect">
             <a:avLst/>
           </a:prstGeom>
-          <a:noFill/>
         </p:spPr>
-        <p:txBody>
-          <a:bodyPr wrap="none" rtlCol="0">
-            <a:spAutoFit/>
-          </a:bodyPr>
-          <a:lstStyle/>
-          <a:p>
-            <a:r>
-              <a:rPr lang="en-US" dirty="0"/>
-              <a:t>Insert screenshot of 1 vote on your com</a:t>
-            </a:r>
-            <a:endParaRPr lang="en-SG" dirty="0"/>
-          </a:p>
-        </p:txBody>
-      </p:sp>
+      </p:pic>
+      <p:cxnSp>
+        <p:nvCxnSpPr>
+          <p:cNvPr id="5" name="Straight Arrow Connector 4">
+            <a:extLst>
+              <a:ext uri="{FF2B5EF4-FFF2-40B4-BE49-F238E27FC236}">
+                <a16:creationId xmlns:a16="http://schemas.microsoft.com/office/drawing/2014/main" id="{265FD1FF-EEAE-170C-341A-476C588C0472}"/>
+              </a:ext>
+            </a:extLst>
+          </p:cNvPr>
+          <p:cNvCxnSpPr>
+            <a:stCxn id="6" idx="2"/>
+            <a:endCxn id="3" idx="0"/>
+          </p:cNvCxnSpPr>
+          <p:nvPr/>
+        </p:nvCxnSpPr>
+        <p:spPr>
+          <a:xfrm flipH="1">
+            <a:off x="6095999" y="3986938"/>
+            <a:ext cx="1" cy="911379"/>
+          </a:xfrm>
+          <a:prstGeom prst="straightConnector1">
+            <a:avLst/>
+          </a:prstGeom>
+          <a:ln w="25400">
+            <a:tailEnd type="stealth" w="lg" len="lg"/>
+          </a:ln>
+        </p:spPr>
+        <p:style>
+          <a:lnRef idx="1">
+            <a:schemeClr val="accent1"/>
+          </a:lnRef>
+          <a:fillRef idx="0">
+            <a:schemeClr val="accent1"/>
+          </a:fillRef>
+          <a:effectRef idx="0">
+            <a:schemeClr val="accent1"/>
+          </a:effectRef>
+          <a:fontRef idx="minor">
+            <a:schemeClr val="tx1"/>
+          </a:fontRef>
+        </p:style>
+      </p:cxnSp>
     </p:spTree>
     <p:extLst>
       <p:ext uri="{BB962C8B-B14F-4D97-AF65-F5344CB8AC3E}">
@@ -15624,6 +15744,36 @@
           </a:p>
         </p:txBody>
       </p:sp>
+      <p:pic>
+        <p:nvPicPr>
+          <p:cNvPr id="4" name="Picture 3" descr="Graphical user interface, application, Teams&#10;&#10;Description automatically generated">
+            <a:extLst>
+              <a:ext uri="{FF2B5EF4-FFF2-40B4-BE49-F238E27FC236}">
+                <a16:creationId xmlns:a16="http://schemas.microsoft.com/office/drawing/2014/main" id="{8588CA2E-EBC5-5396-829C-112953B3C1AC}"/>
+              </a:ext>
+            </a:extLst>
+          </p:cNvPr>
+          <p:cNvPicPr>
+            <a:picLocks noChangeAspect="1"/>
+          </p:cNvPicPr>
+          <p:nvPr/>
+        </p:nvPicPr>
+        <p:blipFill>
+          <a:blip r:embed="rId2"/>
+          <a:stretch>
+            <a:fillRect/>
+          </a:stretch>
+        </p:blipFill>
+        <p:spPr>
+          <a:xfrm>
+            <a:off x="3244850" y="1828800"/>
+            <a:ext cx="5702300" cy="4343400"/>
+          </a:xfrm>
+          <a:prstGeom prst="rect">
+            <a:avLst/>
+          </a:prstGeom>
+        </p:spPr>
+      </p:pic>
     </p:spTree>
     <p:extLst>
       <p:ext uri="{BB962C8B-B14F-4D97-AF65-F5344CB8AC3E}">
@@ -16132,107 +16282,115 @@
         <p:spPr/>
         <p:txBody>
           <a:bodyPr>
-            <a:normAutofit lnSpcReduction="10000"/>
+            <a:normAutofit/>
           </a:bodyPr>
           <a:lstStyle/>
           <a:p>
-            <a:pPr marL="0" indent="0">
-              <a:buNone/>
+            <a:pPr marL="342900" indent="-342900">
+              <a:buFont typeface="+mj-lt"/>
+              <a:buAutoNum type="arabicPeriod"/>
             </a:pPr>
             <a:r>
-              <a:rPr lang="en-US" sz="2000" dirty="0" err="1"/>
+              <a:rPr lang="en-US" sz="1400" dirty="0" err="1"/>
               <a:t>Anthoula</a:t>
             </a:r>
             <a:r>
-              <a:rPr lang="en-US" sz="2000" dirty="0"/>
+              <a:rPr lang="en-US" sz="1400" dirty="0"/>
               <a:t> </a:t>
             </a:r>
             <a:r>
-              <a:rPr lang="en-US" sz="2000" dirty="0" err="1"/>
+              <a:rPr lang="en-US" sz="1400" dirty="0" err="1"/>
               <a:t>Malkopoulou</a:t>
             </a:r>
             <a:r>
-              <a:rPr lang="en-US" sz="2000" dirty="0"/>
+              <a:rPr lang="en-US" sz="1400" dirty="0"/>
               <a:t> (2020) Compulsory voting and right-wing populism: </a:t>
             </a:r>
             <a:r>
-              <a:rPr lang="en-US" sz="2000" dirty="0" err="1"/>
+              <a:rPr lang="en-US" sz="1400" dirty="0" err="1"/>
               <a:t>mobilisation</a:t>
             </a:r>
             <a:r>
-              <a:rPr lang="en-US" sz="2000" dirty="0"/>
+              <a:rPr lang="en-US" sz="1400" dirty="0"/>
               <a:t>, representation and socioeconomic inequalities, Australian Journal of Political Science, 55:3, 276-292, DOI: </a:t>
             </a:r>
             <a:r>
-              <a:rPr lang="en-US" sz="2000" u="sng" dirty="0">
+              <a:rPr lang="en-US" sz="1400" u="sng" dirty="0">
                 <a:hlinkClick r:id="rId2"/>
               </a:rPr>
               <a:t>10.1080/10361146.2020.1774507</a:t>
             </a:r>
-            <a:endParaRPr lang="en-US" sz="2000" u="sng" dirty="0"/>
+            <a:endParaRPr lang="en-US" sz="1400" u="sng" dirty="0"/>
+          </a:p>
+          <a:p>
+            <a:pPr marL="342900" indent="-342900">
+              <a:buFont typeface="+mj-lt"/>
+              <a:buAutoNum type="arabicPeriod"/>
+            </a:pPr>
+            <a:r>
+              <a:rPr lang="en-US" sz="1400" dirty="0" err="1"/>
+              <a:t>Jafar</a:t>
+            </a:r>
+            <a:r>
+              <a:rPr lang="en-US" sz="1400" dirty="0"/>
+              <a:t> U, Aziz MJA, </a:t>
+            </a:r>
+            <a:r>
+              <a:rPr lang="en-US" sz="1400" dirty="0" err="1"/>
+              <a:t>Shukur</a:t>
+            </a:r>
+            <a:r>
+              <a:rPr lang="en-US" sz="1400" dirty="0"/>
+              <a:t> Z. Blockchain for Electronic Voting System-Review and Open Research Challenges. Sensors (Basel). 2021 Aug 31;21(17):5874. DOI: 10.3390/s21175874. PMID: 34502764; PMCID: PMC8434614.</a:t>
+            </a:r>
+            <a:endParaRPr lang="en-SG" sz="1400" dirty="0">
+              <a:hlinkClick r:id="rId3"/>
+            </a:endParaRPr>
+          </a:p>
+          <a:p>
+            <a:pPr marL="342900" indent="-342900">
+              <a:buFont typeface="+mj-lt"/>
+              <a:buAutoNum type="arabicPeriod"/>
+            </a:pPr>
+            <a:r>
+              <a:rPr lang="en-SG" sz="1400" dirty="0">
+                <a:hlinkClick r:id="rId3"/>
+              </a:rPr>
+              <a:t>https://www.csuc.cat/en/serveis/vot-electronic-e-vot</a:t>
+            </a:r>
+            <a:endParaRPr lang="en-SG" sz="1400" dirty="0"/>
+          </a:p>
+          <a:p>
+            <a:pPr marL="342900" indent="-342900">
+              <a:buFont typeface="+mj-lt"/>
+              <a:buAutoNum type="arabicPeriod"/>
+            </a:pPr>
+            <a:r>
+              <a:rPr lang="en-SG" sz="1400" dirty="0">
+                <a:hlinkClick r:id="rId4"/>
+              </a:rPr>
+              <a:t>https://www.nytimes.com/2020/11/03/us/elections/mail-ballot-counting-vote.html</a:t>
+            </a:r>
+            <a:endParaRPr lang="en-SG" sz="1400" dirty="0"/>
+          </a:p>
+          <a:p>
+            <a:pPr marL="342900" indent="-342900">
+              <a:buFont typeface="+mj-lt"/>
+              <a:buAutoNum type="arabicPeriod"/>
+            </a:pPr>
+            <a:r>
+              <a:rPr lang="en-SG" sz="1400" dirty="0">
+                <a:hlinkClick r:id="rId5"/>
+              </a:rPr>
+              <a:t>https://www.theguardian.com/world/2017/aug/08/kenyans-queue-for-hours-to-vote-amid-fears-of-post-election-violence</a:t>
+            </a:r>
+            <a:endParaRPr lang="en-SG" sz="1400" dirty="0"/>
           </a:p>
           <a:p>
             <a:pPr marL="0" indent="0">
               <a:buNone/>
             </a:pPr>
-            <a:r>
-              <a:rPr lang="en-US" sz="2000" dirty="0" err="1"/>
-              <a:t>Jafar</a:t>
-            </a:r>
-            <a:r>
-              <a:rPr lang="en-US" sz="2000" dirty="0"/>
-              <a:t> U, Aziz MJA, </a:t>
-            </a:r>
-            <a:r>
-              <a:rPr lang="en-US" sz="2000" dirty="0" err="1"/>
-              <a:t>Shukur</a:t>
-            </a:r>
-            <a:r>
-              <a:rPr lang="en-US" sz="2000" dirty="0"/>
-              <a:t> Z. Blockchain for Electronic Voting System-Review and Open Research Challenges. Sensors (Basel). 2021 Aug 31;21(17):5874. DOI: 10.3390/s21175874. PMID: 34502764; PMCID: PMC8434614.</a:t>
-            </a:r>
-            <a:endParaRPr lang="en-SG" dirty="0">
-              <a:hlinkClick r:id="rId3"/>
-            </a:endParaRPr>
-          </a:p>
-          <a:p>
-            <a:pPr marL="0" indent="0">
-              <a:buNone/>
-            </a:pPr>
-            <a:r>
-              <a:rPr lang="en-SG" dirty="0">
-                <a:hlinkClick r:id="rId3"/>
-              </a:rPr>
-              <a:t>https://www.csuc.cat/en/serveis/vot-electronic-e-vot</a:t>
-            </a:r>
-            <a:endParaRPr lang="en-SG" dirty="0"/>
-          </a:p>
-          <a:p>
-            <a:pPr marL="0" indent="0">
-              <a:buNone/>
-            </a:pPr>
-            <a:r>
-              <a:rPr lang="en-SG" dirty="0">
-                <a:hlinkClick r:id="rId4"/>
-              </a:rPr>
-              <a:t>https://www.nytimes.com/2020/11/03/us/elections/mail-ballot-counting-vote.html</a:t>
-            </a:r>
-            <a:endParaRPr lang="en-SG" dirty="0"/>
-          </a:p>
-          <a:p>
-            <a:pPr marL="0" indent="0">
-              <a:buNone/>
-            </a:pPr>
-            <a:r>
-              <a:rPr lang="en-SG" dirty="0">
-                <a:hlinkClick r:id="rId5"/>
-              </a:rPr>
-              <a:t>https://www.theguardian.com/world/2017/aug/08/kenyans-queue-for-hours-to-vote-amid-fears-of-post-election-violence</a:t>
-            </a:r>
-            <a:endParaRPr lang="en-SG" dirty="0"/>
-          </a:p>
-          <a:p>
-            <a:endParaRPr lang="en-SG" dirty="0"/>
+            <a:endParaRPr lang="en-SG" sz="1400" dirty="0"/>
           </a:p>
         </p:txBody>
       </p:sp>
